--- a/Inventory Management System Presentation.pptx
+++ b/Inventory Management System Presentation.pptx
@@ -5876,19 +5876,110 @@
             <p:ph type="subTitle" idx="1"/>
           </p:nvPr>
         </p:nvSpPr>
-        <p:spPr/>
+        <p:spPr>
+          <a:xfrm>
+            <a:off x="1625054" y="4237648"/>
+            <a:ext cx="7766936" cy="1096899"/>
+          </a:xfrm>
+        </p:spPr>
         <p:txBody>
           <a:bodyPr/>
           <a:lstStyle/>
           <a:p>
             <a:r>
-              <a:rPr lang="en-US" dirty="0"/>
-              <a:t>PRESENTED BY:</a:t>
-            </a:r>
-            <a:endParaRPr lang="en-GB" dirty="0"/>
-          </a:p>
-        </p:txBody>
-      </p:sp>
+              <a:rPr lang="en-US" dirty="0">
+                <a:latin typeface="Times New Roman" panose="02020603050405020304" pitchFamily="18" charset="0"/>
+                <a:cs typeface="Times New Roman" panose="02020603050405020304" pitchFamily="18" charset="0"/>
+              </a:rPr>
+              <a:t>Submitted by </a:t>
+            </a:r>
+            <a:r>
+              <a:rPr lang="en-US" dirty="0" err="1">
+                <a:latin typeface="Times New Roman" panose="02020603050405020304" pitchFamily="18" charset="0"/>
+                <a:cs typeface="Times New Roman" panose="02020603050405020304" pitchFamily="18" charset="0"/>
+              </a:rPr>
+              <a:t>shibin</a:t>
+            </a:r>
+            <a:r>
+              <a:rPr lang="en-US" dirty="0">
+                <a:latin typeface="Times New Roman" panose="02020603050405020304" pitchFamily="18" charset="0"/>
+                <a:cs typeface="Times New Roman" panose="02020603050405020304" pitchFamily="18" charset="0"/>
+              </a:rPr>
+              <a:t> </a:t>
+            </a:r>
+            <a:r>
+              <a:rPr lang="en-US" dirty="0" err="1">
+                <a:latin typeface="Times New Roman" panose="02020603050405020304" pitchFamily="18" charset="0"/>
+                <a:cs typeface="Times New Roman" panose="02020603050405020304" pitchFamily="18" charset="0"/>
+              </a:rPr>
+              <a:t>varghese</a:t>
+            </a:r>
+            <a:r>
+              <a:rPr lang="en-US" dirty="0">
+                <a:latin typeface="Times New Roman" panose="02020603050405020304" pitchFamily="18" charset="0"/>
+                <a:cs typeface="Times New Roman" panose="02020603050405020304" pitchFamily="18" charset="0"/>
+              </a:rPr>
+              <a:t>(20048359)</a:t>
+            </a:r>
+          </a:p>
+          <a:p>
+            <a:r>
+              <a:rPr lang="en-US" dirty="0" err="1">
+                <a:latin typeface="Times New Roman" panose="02020603050405020304" pitchFamily="18" charset="0"/>
+                <a:cs typeface="Times New Roman" panose="02020603050405020304" pitchFamily="18" charset="0"/>
+              </a:rPr>
+              <a:t>professor:Kanza</a:t>
+            </a:r>
+            <a:r>
+              <a:rPr lang="en-US" dirty="0">
+                <a:latin typeface="Times New Roman" panose="02020603050405020304" pitchFamily="18" charset="0"/>
+                <a:cs typeface="Times New Roman" panose="02020603050405020304" pitchFamily="18" charset="0"/>
+              </a:rPr>
+              <a:t> Ali Manzar </a:t>
+            </a:r>
+            <a:endParaRPr lang="en-GB" dirty="0">
+              <a:latin typeface="Times New Roman" panose="02020603050405020304" pitchFamily="18" charset="0"/>
+              <a:cs typeface="Times New Roman" panose="02020603050405020304" pitchFamily="18" charset="0"/>
+            </a:endParaRPr>
+          </a:p>
+        </p:txBody>
+      </p:sp>
+      <p:pic>
+        <p:nvPicPr>
+          <p:cNvPr id="5" name="Picture 4" descr="A logo for a business school&#10;&#10;Description automatically generated">
+            <a:extLst>
+              <a:ext uri="{FF2B5EF4-FFF2-40B4-BE49-F238E27FC236}">
+                <a16:creationId xmlns:a16="http://schemas.microsoft.com/office/drawing/2014/main" id="{305131E0-6F28-BD83-33E0-4C8EDA03BC3D}"/>
+              </a:ext>
+            </a:extLst>
+          </p:cNvPr>
+          <p:cNvPicPr>
+            <a:picLocks noChangeAspect="1"/>
+          </p:cNvPicPr>
+          <p:nvPr/>
+        </p:nvPicPr>
+        <p:blipFill>
+          <a:blip r:embed="rId2">
+            <a:extLst>
+              <a:ext uri="{28A0092B-C50C-407E-A947-70E740481C1C}">
+                <a14:useLocalDpi xmlns:a14="http://schemas.microsoft.com/office/drawing/2010/main" val="0"/>
+              </a:ext>
+            </a:extLst>
+          </a:blip>
+          <a:stretch>
+            <a:fillRect/>
+          </a:stretch>
+        </p:blipFill>
+        <p:spPr>
+          <a:xfrm>
+            <a:off x="1507067" y="261409"/>
+            <a:ext cx="2143125" cy="2143125"/>
+          </a:xfrm>
+          <a:prstGeom prst="rect">
+            <a:avLst/>
+          </a:prstGeom>
+        </p:spPr>
+      </p:pic>
     </p:spTree>
     <p:extLst>
       <p:ext uri="{BB962C8B-B14F-4D97-AF65-F5344CB8AC3E}">
